--- a/ppt 16-9/0277.主来的日子.pptx
+++ b/ppt 16-9/0277.主来的日子.pptx
@@ -129,7 +129,7 @@
           <p:cNvPr id="2" name="标题 1">
             <a:extLst>
               <a:ext uri="{FF2B5EF4-FFF2-40B4-BE49-F238E27FC236}">
-                <a16:creationId xmlns:a16="http://schemas.microsoft.com/office/drawing/2014/main" id="{62496CF1-68BC-BD18-2753-0A83BED111B3}"/>
+                <a16:creationId xmlns:a16="http://schemas.microsoft.com/office/drawing/2014/main" id="{10FBEDD2-0B23-8899-6C62-87C4F25EEFB0}"/>
               </a:ext>
             </a:extLst>
           </p:cNvPr>
@@ -166,7 +166,7 @@
           <p:cNvPr id="3" name="副标题 2">
             <a:extLst>
               <a:ext uri="{FF2B5EF4-FFF2-40B4-BE49-F238E27FC236}">
-                <a16:creationId xmlns:a16="http://schemas.microsoft.com/office/drawing/2014/main" id="{D4ABA88B-CBA3-EE10-675E-0A378FD5BA60}"/>
+                <a16:creationId xmlns:a16="http://schemas.microsoft.com/office/drawing/2014/main" id="{8EC25C41-B5DE-2029-CE59-78DE308CCF76}"/>
               </a:ext>
             </a:extLst>
           </p:cNvPr>
@@ -236,7 +236,7 @@
           <p:cNvPr id="4" name="日期占位符 3">
             <a:extLst>
               <a:ext uri="{FF2B5EF4-FFF2-40B4-BE49-F238E27FC236}">
-                <a16:creationId xmlns:a16="http://schemas.microsoft.com/office/drawing/2014/main" id="{2DB2CA5C-357C-5D21-75DF-079413DA53C2}"/>
+                <a16:creationId xmlns:a16="http://schemas.microsoft.com/office/drawing/2014/main" id="{742A32EA-AC01-8C95-0A35-42259EEB218D}"/>
               </a:ext>
             </a:extLst>
           </p:cNvPr>
@@ -252,7 +252,7 @@
           <a:bodyPr/>
           <a:lstStyle/>
           <a:p>
-            <a:fld id="{6CC9728F-16E9-4C02-AEE3-B2E2CB10451E}" type="datetimeFigureOut">
+            <a:fld id="{42AE7D2B-C973-41AF-90AE-DB93D4581CC3}" type="datetimeFigureOut">
               <a:rPr lang="zh-CN" altLang="en-US" smtClean="0"/>
               <a:t>2024/3/10</a:t>
             </a:fld>
@@ -265,7 +265,7 @@
           <p:cNvPr id="5" name="页脚占位符 4">
             <a:extLst>
               <a:ext uri="{FF2B5EF4-FFF2-40B4-BE49-F238E27FC236}">
-                <a16:creationId xmlns:a16="http://schemas.microsoft.com/office/drawing/2014/main" id="{BBD34F02-CD3A-DCF3-A67C-3E665BDFF8FA}"/>
+                <a16:creationId xmlns:a16="http://schemas.microsoft.com/office/drawing/2014/main" id="{C2C5FF14-164D-8D08-BF57-94760F2255F8}"/>
               </a:ext>
             </a:extLst>
           </p:cNvPr>
@@ -290,7 +290,7 @@
           <p:cNvPr id="6" name="灯片编号占位符 5">
             <a:extLst>
               <a:ext uri="{FF2B5EF4-FFF2-40B4-BE49-F238E27FC236}">
-                <a16:creationId xmlns:a16="http://schemas.microsoft.com/office/drawing/2014/main" id="{4F9192F1-4AA4-BB46-2705-D405E45002B3}"/>
+                <a16:creationId xmlns:a16="http://schemas.microsoft.com/office/drawing/2014/main" id="{CB94967A-85AF-75B8-5E3F-EB9D3556F0D6}"/>
               </a:ext>
             </a:extLst>
           </p:cNvPr>
@@ -306,7 +306,7 @@
           <a:bodyPr/>
           <a:lstStyle/>
           <a:p>
-            <a:fld id="{EF65F584-861D-4B00-9E07-E39CFEA187FA}" type="slidenum">
+            <a:fld id="{E2CF4F32-7808-4705-AA7C-BAC8815A4578}" type="slidenum">
               <a:rPr lang="zh-CN" altLang="en-US" smtClean="0"/>
               <a:t>‹#›</a:t>
             </a:fld>
@@ -317,7 +317,7 @@
     </p:spTree>
     <p:extLst>
       <p:ext uri="{BB962C8B-B14F-4D97-AF65-F5344CB8AC3E}">
-        <p14:creationId xmlns:p14="http://schemas.microsoft.com/office/powerpoint/2010/main" val="1432099556"/>
+        <p14:creationId xmlns:p14="http://schemas.microsoft.com/office/powerpoint/2010/main" val="3321448234"/>
       </p:ext>
     </p:extLst>
   </p:cSld>
@@ -349,7 +349,7 @@
           <p:cNvPr id="2" name="标题 1">
             <a:extLst>
               <a:ext uri="{FF2B5EF4-FFF2-40B4-BE49-F238E27FC236}">
-                <a16:creationId xmlns:a16="http://schemas.microsoft.com/office/drawing/2014/main" id="{A5F852DC-9D44-C828-CFB1-FCA9E8255C67}"/>
+                <a16:creationId xmlns:a16="http://schemas.microsoft.com/office/drawing/2014/main" id="{945F21F4-7E08-9069-1AD3-01DECDA20868}"/>
               </a:ext>
             </a:extLst>
           </p:cNvPr>
@@ -377,7 +377,7 @@
           <p:cNvPr id="3" name="竖排文字占位符 2">
             <a:extLst>
               <a:ext uri="{FF2B5EF4-FFF2-40B4-BE49-F238E27FC236}">
-                <a16:creationId xmlns:a16="http://schemas.microsoft.com/office/drawing/2014/main" id="{EB57338A-361B-9917-F7A3-B4E6846AEA57}"/>
+                <a16:creationId xmlns:a16="http://schemas.microsoft.com/office/drawing/2014/main" id="{443DB174-5743-5D96-55A4-70A50FE9C397}"/>
               </a:ext>
             </a:extLst>
           </p:cNvPr>
@@ -434,7 +434,7 @@
           <p:cNvPr id="4" name="日期占位符 3">
             <a:extLst>
               <a:ext uri="{FF2B5EF4-FFF2-40B4-BE49-F238E27FC236}">
-                <a16:creationId xmlns:a16="http://schemas.microsoft.com/office/drawing/2014/main" id="{17F751CA-B4ED-5D7C-B354-DC352488C7E3}"/>
+                <a16:creationId xmlns:a16="http://schemas.microsoft.com/office/drawing/2014/main" id="{B8726C7F-A400-51DC-B304-DF761D16D7BA}"/>
               </a:ext>
             </a:extLst>
           </p:cNvPr>
@@ -450,7 +450,7 @@
           <a:bodyPr/>
           <a:lstStyle/>
           <a:p>
-            <a:fld id="{6CC9728F-16E9-4C02-AEE3-B2E2CB10451E}" type="datetimeFigureOut">
+            <a:fld id="{42AE7D2B-C973-41AF-90AE-DB93D4581CC3}" type="datetimeFigureOut">
               <a:rPr lang="zh-CN" altLang="en-US" smtClean="0"/>
               <a:t>2024/3/10</a:t>
             </a:fld>
@@ -463,7 +463,7 @@
           <p:cNvPr id="5" name="页脚占位符 4">
             <a:extLst>
               <a:ext uri="{FF2B5EF4-FFF2-40B4-BE49-F238E27FC236}">
-                <a16:creationId xmlns:a16="http://schemas.microsoft.com/office/drawing/2014/main" id="{D4AC2B0B-9337-028A-C5AC-E04663029F85}"/>
+                <a16:creationId xmlns:a16="http://schemas.microsoft.com/office/drawing/2014/main" id="{DE0F7E10-BA75-90AA-F387-51D20E304C1B}"/>
               </a:ext>
             </a:extLst>
           </p:cNvPr>
@@ -488,7 +488,7 @@
           <p:cNvPr id="6" name="灯片编号占位符 5">
             <a:extLst>
               <a:ext uri="{FF2B5EF4-FFF2-40B4-BE49-F238E27FC236}">
-                <a16:creationId xmlns:a16="http://schemas.microsoft.com/office/drawing/2014/main" id="{60ACE364-6636-C2B1-23D1-FFA97A69669E}"/>
+                <a16:creationId xmlns:a16="http://schemas.microsoft.com/office/drawing/2014/main" id="{5365E5BF-1E1D-2A71-62B5-B0403BD4B449}"/>
               </a:ext>
             </a:extLst>
           </p:cNvPr>
@@ -504,7 +504,7 @@
           <a:bodyPr/>
           <a:lstStyle/>
           <a:p>
-            <a:fld id="{EF65F584-861D-4B00-9E07-E39CFEA187FA}" type="slidenum">
+            <a:fld id="{E2CF4F32-7808-4705-AA7C-BAC8815A4578}" type="slidenum">
               <a:rPr lang="zh-CN" altLang="en-US" smtClean="0"/>
               <a:t>‹#›</a:t>
             </a:fld>
@@ -515,7 +515,7 @@
     </p:spTree>
     <p:extLst>
       <p:ext uri="{BB962C8B-B14F-4D97-AF65-F5344CB8AC3E}">
-        <p14:creationId xmlns:p14="http://schemas.microsoft.com/office/powerpoint/2010/main" val="1709885893"/>
+        <p14:creationId xmlns:p14="http://schemas.microsoft.com/office/powerpoint/2010/main" val="2344634583"/>
       </p:ext>
     </p:extLst>
   </p:cSld>
@@ -547,7 +547,7 @@
           <p:cNvPr id="2" name="竖排标题 1">
             <a:extLst>
               <a:ext uri="{FF2B5EF4-FFF2-40B4-BE49-F238E27FC236}">
-                <a16:creationId xmlns:a16="http://schemas.microsoft.com/office/drawing/2014/main" id="{C9FF2F00-66F3-6F25-DB2E-EE8FB3235F58}"/>
+                <a16:creationId xmlns:a16="http://schemas.microsoft.com/office/drawing/2014/main" id="{10A297D1-2010-357B-FDF1-3C1F52F93D99}"/>
               </a:ext>
             </a:extLst>
           </p:cNvPr>
@@ -580,7 +580,7 @@
           <p:cNvPr id="3" name="竖排文字占位符 2">
             <a:extLst>
               <a:ext uri="{FF2B5EF4-FFF2-40B4-BE49-F238E27FC236}">
-                <a16:creationId xmlns:a16="http://schemas.microsoft.com/office/drawing/2014/main" id="{430565EA-ACBE-0F1A-3F7B-9AC2C788F2D9}"/>
+                <a16:creationId xmlns:a16="http://schemas.microsoft.com/office/drawing/2014/main" id="{7D7DCB6D-B81C-E471-1E4C-7E401A2EBE47}"/>
               </a:ext>
             </a:extLst>
           </p:cNvPr>
@@ -642,7 +642,7 @@
           <p:cNvPr id="4" name="日期占位符 3">
             <a:extLst>
               <a:ext uri="{FF2B5EF4-FFF2-40B4-BE49-F238E27FC236}">
-                <a16:creationId xmlns:a16="http://schemas.microsoft.com/office/drawing/2014/main" id="{B5F2E4E6-3568-D816-7735-F0F67B1BFDE3}"/>
+                <a16:creationId xmlns:a16="http://schemas.microsoft.com/office/drawing/2014/main" id="{29783FB2-8271-E3D8-DFDB-CA78786307D9}"/>
               </a:ext>
             </a:extLst>
           </p:cNvPr>
@@ -658,7 +658,7 @@
           <a:bodyPr/>
           <a:lstStyle/>
           <a:p>
-            <a:fld id="{6CC9728F-16E9-4C02-AEE3-B2E2CB10451E}" type="datetimeFigureOut">
+            <a:fld id="{42AE7D2B-C973-41AF-90AE-DB93D4581CC3}" type="datetimeFigureOut">
               <a:rPr lang="zh-CN" altLang="en-US" smtClean="0"/>
               <a:t>2024/3/10</a:t>
             </a:fld>
@@ -671,7 +671,7 @@
           <p:cNvPr id="5" name="页脚占位符 4">
             <a:extLst>
               <a:ext uri="{FF2B5EF4-FFF2-40B4-BE49-F238E27FC236}">
-                <a16:creationId xmlns:a16="http://schemas.microsoft.com/office/drawing/2014/main" id="{65BBB935-E222-7120-A69C-F7B0DCB487C5}"/>
+                <a16:creationId xmlns:a16="http://schemas.microsoft.com/office/drawing/2014/main" id="{FB965E5C-18AF-94C1-2942-92B239A2E947}"/>
               </a:ext>
             </a:extLst>
           </p:cNvPr>
@@ -696,7 +696,7 @@
           <p:cNvPr id="6" name="灯片编号占位符 5">
             <a:extLst>
               <a:ext uri="{FF2B5EF4-FFF2-40B4-BE49-F238E27FC236}">
-                <a16:creationId xmlns:a16="http://schemas.microsoft.com/office/drawing/2014/main" id="{1F66B991-EDD3-2BE0-D860-F328148E9D48}"/>
+                <a16:creationId xmlns:a16="http://schemas.microsoft.com/office/drawing/2014/main" id="{AB17AE86-2338-AF55-88B8-BD7630B31D48}"/>
               </a:ext>
             </a:extLst>
           </p:cNvPr>
@@ -712,7 +712,7 @@
           <a:bodyPr/>
           <a:lstStyle/>
           <a:p>
-            <a:fld id="{EF65F584-861D-4B00-9E07-E39CFEA187FA}" type="slidenum">
+            <a:fld id="{E2CF4F32-7808-4705-AA7C-BAC8815A4578}" type="slidenum">
               <a:rPr lang="zh-CN" altLang="en-US" smtClean="0"/>
               <a:t>‹#›</a:t>
             </a:fld>
@@ -723,7 +723,7 @@
     </p:spTree>
     <p:extLst>
       <p:ext uri="{BB962C8B-B14F-4D97-AF65-F5344CB8AC3E}">
-        <p14:creationId xmlns:p14="http://schemas.microsoft.com/office/powerpoint/2010/main" val="1251405765"/>
+        <p14:creationId xmlns:p14="http://schemas.microsoft.com/office/powerpoint/2010/main" val="4018497669"/>
       </p:ext>
     </p:extLst>
   </p:cSld>
@@ -755,7 +755,7 @@
           <p:cNvPr id="2" name="标题 1">
             <a:extLst>
               <a:ext uri="{FF2B5EF4-FFF2-40B4-BE49-F238E27FC236}">
-                <a16:creationId xmlns:a16="http://schemas.microsoft.com/office/drawing/2014/main" id="{5EE62EA1-C62A-4771-B195-40999D2CB711}"/>
+                <a16:creationId xmlns:a16="http://schemas.microsoft.com/office/drawing/2014/main" id="{CC051987-224B-2CB3-9FDF-643F9D604487}"/>
               </a:ext>
             </a:extLst>
           </p:cNvPr>
@@ -783,7 +783,7 @@
           <p:cNvPr id="3" name="内容占位符 2">
             <a:extLst>
               <a:ext uri="{FF2B5EF4-FFF2-40B4-BE49-F238E27FC236}">
-                <a16:creationId xmlns:a16="http://schemas.microsoft.com/office/drawing/2014/main" id="{8A9856B3-884A-973E-9728-D05C5E237834}"/>
+                <a16:creationId xmlns:a16="http://schemas.microsoft.com/office/drawing/2014/main" id="{21D3295D-7032-5DAB-DC9D-4B6992D0E4D7}"/>
               </a:ext>
             </a:extLst>
           </p:cNvPr>
@@ -840,7 +840,7 @@
           <p:cNvPr id="4" name="日期占位符 3">
             <a:extLst>
               <a:ext uri="{FF2B5EF4-FFF2-40B4-BE49-F238E27FC236}">
-                <a16:creationId xmlns:a16="http://schemas.microsoft.com/office/drawing/2014/main" id="{8A9C207F-2479-2D00-FA52-A5D581FA2DE9}"/>
+                <a16:creationId xmlns:a16="http://schemas.microsoft.com/office/drawing/2014/main" id="{D5E91C99-A007-53EB-79C2-B5AAE8CB0691}"/>
               </a:ext>
             </a:extLst>
           </p:cNvPr>
@@ -856,7 +856,7 @@
           <a:bodyPr/>
           <a:lstStyle/>
           <a:p>
-            <a:fld id="{6CC9728F-16E9-4C02-AEE3-B2E2CB10451E}" type="datetimeFigureOut">
+            <a:fld id="{42AE7D2B-C973-41AF-90AE-DB93D4581CC3}" type="datetimeFigureOut">
               <a:rPr lang="zh-CN" altLang="en-US" smtClean="0"/>
               <a:t>2024/3/10</a:t>
             </a:fld>
@@ -869,7 +869,7 @@
           <p:cNvPr id="5" name="页脚占位符 4">
             <a:extLst>
               <a:ext uri="{FF2B5EF4-FFF2-40B4-BE49-F238E27FC236}">
-                <a16:creationId xmlns:a16="http://schemas.microsoft.com/office/drawing/2014/main" id="{7B2BDBCB-E104-EB9E-8A61-ECC26C0F3ED8}"/>
+                <a16:creationId xmlns:a16="http://schemas.microsoft.com/office/drawing/2014/main" id="{79C7B5D2-F767-5FEE-86C1-1B4F2D4553B3}"/>
               </a:ext>
             </a:extLst>
           </p:cNvPr>
@@ -894,7 +894,7 @@
           <p:cNvPr id="6" name="灯片编号占位符 5">
             <a:extLst>
               <a:ext uri="{FF2B5EF4-FFF2-40B4-BE49-F238E27FC236}">
-                <a16:creationId xmlns:a16="http://schemas.microsoft.com/office/drawing/2014/main" id="{DED8B908-4BB2-6902-EC2F-757A49E7E803}"/>
+                <a16:creationId xmlns:a16="http://schemas.microsoft.com/office/drawing/2014/main" id="{AACA5B49-D34C-0DF3-E504-F11BFDA6A1DE}"/>
               </a:ext>
             </a:extLst>
           </p:cNvPr>
@@ -910,7 +910,7 @@
           <a:bodyPr/>
           <a:lstStyle/>
           <a:p>
-            <a:fld id="{EF65F584-861D-4B00-9E07-E39CFEA187FA}" type="slidenum">
+            <a:fld id="{E2CF4F32-7808-4705-AA7C-BAC8815A4578}" type="slidenum">
               <a:rPr lang="zh-CN" altLang="en-US" smtClean="0"/>
               <a:t>‹#›</a:t>
             </a:fld>
@@ -921,7 +921,7 @@
     </p:spTree>
     <p:extLst>
       <p:ext uri="{BB962C8B-B14F-4D97-AF65-F5344CB8AC3E}">
-        <p14:creationId xmlns:p14="http://schemas.microsoft.com/office/powerpoint/2010/main" val="1392701469"/>
+        <p14:creationId xmlns:p14="http://schemas.microsoft.com/office/powerpoint/2010/main" val="1111754717"/>
       </p:ext>
     </p:extLst>
   </p:cSld>
@@ -953,7 +953,7 @@
           <p:cNvPr id="2" name="标题 1">
             <a:extLst>
               <a:ext uri="{FF2B5EF4-FFF2-40B4-BE49-F238E27FC236}">
-                <a16:creationId xmlns:a16="http://schemas.microsoft.com/office/drawing/2014/main" id="{4D0FB68B-D087-AA85-ECFB-F44146757469}"/>
+                <a16:creationId xmlns:a16="http://schemas.microsoft.com/office/drawing/2014/main" id="{36DB8CE0-67EC-20D1-50D1-0E0B068AF964}"/>
               </a:ext>
             </a:extLst>
           </p:cNvPr>
@@ -990,7 +990,7 @@
           <p:cNvPr id="3" name="文本占位符 2">
             <a:extLst>
               <a:ext uri="{FF2B5EF4-FFF2-40B4-BE49-F238E27FC236}">
-                <a16:creationId xmlns:a16="http://schemas.microsoft.com/office/drawing/2014/main" id="{632136EA-A9BD-FE1E-6A40-DDA32E36F083}"/>
+                <a16:creationId xmlns:a16="http://schemas.microsoft.com/office/drawing/2014/main" id="{2E62AA20-7DA7-655B-3A61-9A99D1C34385}"/>
               </a:ext>
             </a:extLst>
           </p:cNvPr>
@@ -1115,7 +1115,7 @@
           <p:cNvPr id="4" name="日期占位符 3">
             <a:extLst>
               <a:ext uri="{FF2B5EF4-FFF2-40B4-BE49-F238E27FC236}">
-                <a16:creationId xmlns:a16="http://schemas.microsoft.com/office/drawing/2014/main" id="{239ED40D-F9E2-7130-8603-57626C4FD7CA}"/>
+                <a16:creationId xmlns:a16="http://schemas.microsoft.com/office/drawing/2014/main" id="{390ADC89-530B-D7A7-F5D8-42DBE838CE7E}"/>
               </a:ext>
             </a:extLst>
           </p:cNvPr>
@@ -1131,7 +1131,7 @@
           <a:bodyPr/>
           <a:lstStyle/>
           <a:p>
-            <a:fld id="{6CC9728F-16E9-4C02-AEE3-B2E2CB10451E}" type="datetimeFigureOut">
+            <a:fld id="{42AE7D2B-C973-41AF-90AE-DB93D4581CC3}" type="datetimeFigureOut">
               <a:rPr lang="zh-CN" altLang="en-US" smtClean="0"/>
               <a:t>2024/3/10</a:t>
             </a:fld>
@@ -1144,7 +1144,7 @@
           <p:cNvPr id="5" name="页脚占位符 4">
             <a:extLst>
               <a:ext uri="{FF2B5EF4-FFF2-40B4-BE49-F238E27FC236}">
-                <a16:creationId xmlns:a16="http://schemas.microsoft.com/office/drawing/2014/main" id="{213A72D7-4B1A-F1D9-70A1-952237E7B4D4}"/>
+                <a16:creationId xmlns:a16="http://schemas.microsoft.com/office/drawing/2014/main" id="{CC5A3192-685D-FE3A-92D4-65CC98DC285B}"/>
               </a:ext>
             </a:extLst>
           </p:cNvPr>
@@ -1169,7 +1169,7 @@
           <p:cNvPr id="6" name="灯片编号占位符 5">
             <a:extLst>
               <a:ext uri="{FF2B5EF4-FFF2-40B4-BE49-F238E27FC236}">
-                <a16:creationId xmlns:a16="http://schemas.microsoft.com/office/drawing/2014/main" id="{DC7FF2D7-FDD4-05F4-75C7-5780DF91940C}"/>
+                <a16:creationId xmlns:a16="http://schemas.microsoft.com/office/drawing/2014/main" id="{596A4AA6-7EC1-ACB0-1A8A-0F918D40EE19}"/>
               </a:ext>
             </a:extLst>
           </p:cNvPr>
@@ -1185,7 +1185,7 @@
           <a:bodyPr/>
           <a:lstStyle/>
           <a:p>
-            <a:fld id="{EF65F584-861D-4B00-9E07-E39CFEA187FA}" type="slidenum">
+            <a:fld id="{E2CF4F32-7808-4705-AA7C-BAC8815A4578}" type="slidenum">
               <a:rPr lang="zh-CN" altLang="en-US" smtClean="0"/>
               <a:t>‹#›</a:t>
             </a:fld>
@@ -1196,7 +1196,7 @@
     </p:spTree>
     <p:extLst>
       <p:ext uri="{BB962C8B-B14F-4D97-AF65-F5344CB8AC3E}">
-        <p14:creationId xmlns:p14="http://schemas.microsoft.com/office/powerpoint/2010/main" val="528818348"/>
+        <p14:creationId xmlns:p14="http://schemas.microsoft.com/office/powerpoint/2010/main" val="63073502"/>
       </p:ext>
     </p:extLst>
   </p:cSld>
@@ -1228,7 +1228,7 @@
           <p:cNvPr id="2" name="标题 1">
             <a:extLst>
               <a:ext uri="{FF2B5EF4-FFF2-40B4-BE49-F238E27FC236}">
-                <a16:creationId xmlns:a16="http://schemas.microsoft.com/office/drawing/2014/main" id="{19A929F7-C61C-833B-8AC2-3AB2A758CBB5}"/>
+                <a16:creationId xmlns:a16="http://schemas.microsoft.com/office/drawing/2014/main" id="{E6483ABE-6A11-E183-29F4-A57DDAFE3540}"/>
               </a:ext>
             </a:extLst>
           </p:cNvPr>
@@ -1256,7 +1256,7 @@
           <p:cNvPr id="3" name="内容占位符 2">
             <a:extLst>
               <a:ext uri="{FF2B5EF4-FFF2-40B4-BE49-F238E27FC236}">
-                <a16:creationId xmlns:a16="http://schemas.microsoft.com/office/drawing/2014/main" id="{956EAEFB-D779-E563-2805-F53304DF5598}"/>
+                <a16:creationId xmlns:a16="http://schemas.microsoft.com/office/drawing/2014/main" id="{18CCB9BC-0B4D-C8CF-6B62-4C64D60305DD}"/>
               </a:ext>
             </a:extLst>
           </p:cNvPr>
@@ -1318,7 +1318,7 @@
           <p:cNvPr id="4" name="内容占位符 3">
             <a:extLst>
               <a:ext uri="{FF2B5EF4-FFF2-40B4-BE49-F238E27FC236}">
-                <a16:creationId xmlns:a16="http://schemas.microsoft.com/office/drawing/2014/main" id="{66C6E300-22A5-AD5E-E848-A445434A50FD}"/>
+                <a16:creationId xmlns:a16="http://schemas.microsoft.com/office/drawing/2014/main" id="{8DC7F13B-D4FB-F05E-91AE-8D4198227E16}"/>
               </a:ext>
             </a:extLst>
           </p:cNvPr>
@@ -1380,7 +1380,7 @@
           <p:cNvPr id="5" name="日期占位符 4">
             <a:extLst>
               <a:ext uri="{FF2B5EF4-FFF2-40B4-BE49-F238E27FC236}">
-                <a16:creationId xmlns:a16="http://schemas.microsoft.com/office/drawing/2014/main" id="{8BF42684-A20F-ADB4-4AD9-B3A1798365BC}"/>
+                <a16:creationId xmlns:a16="http://schemas.microsoft.com/office/drawing/2014/main" id="{FC664AFF-DE64-EE33-94D1-94D7219379B3}"/>
               </a:ext>
             </a:extLst>
           </p:cNvPr>
@@ -1396,7 +1396,7 @@
           <a:bodyPr/>
           <a:lstStyle/>
           <a:p>
-            <a:fld id="{6CC9728F-16E9-4C02-AEE3-B2E2CB10451E}" type="datetimeFigureOut">
+            <a:fld id="{42AE7D2B-C973-41AF-90AE-DB93D4581CC3}" type="datetimeFigureOut">
               <a:rPr lang="zh-CN" altLang="en-US" smtClean="0"/>
               <a:t>2024/3/10</a:t>
             </a:fld>
@@ -1409,7 +1409,7 @@
           <p:cNvPr id="6" name="页脚占位符 5">
             <a:extLst>
               <a:ext uri="{FF2B5EF4-FFF2-40B4-BE49-F238E27FC236}">
-                <a16:creationId xmlns:a16="http://schemas.microsoft.com/office/drawing/2014/main" id="{889F457D-69A6-A26A-ED2E-DE220A645530}"/>
+                <a16:creationId xmlns:a16="http://schemas.microsoft.com/office/drawing/2014/main" id="{53E66366-8B32-94AD-7A51-9D203309BDF5}"/>
               </a:ext>
             </a:extLst>
           </p:cNvPr>
@@ -1434,7 +1434,7 @@
           <p:cNvPr id="7" name="灯片编号占位符 6">
             <a:extLst>
               <a:ext uri="{FF2B5EF4-FFF2-40B4-BE49-F238E27FC236}">
-                <a16:creationId xmlns:a16="http://schemas.microsoft.com/office/drawing/2014/main" id="{93D6EB89-2339-E414-1E37-A6F13C4D4F12}"/>
+                <a16:creationId xmlns:a16="http://schemas.microsoft.com/office/drawing/2014/main" id="{79BD40FD-BD77-419D-A5E0-53B665DBA14B}"/>
               </a:ext>
             </a:extLst>
           </p:cNvPr>
@@ -1450,7 +1450,7 @@
           <a:bodyPr/>
           <a:lstStyle/>
           <a:p>
-            <a:fld id="{EF65F584-861D-4B00-9E07-E39CFEA187FA}" type="slidenum">
+            <a:fld id="{E2CF4F32-7808-4705-AA7C-BAC8815A4578}" type="slidenum">
               <a:rPr lang="zh-CN" altLang="en-US" smtClean="0"/>
               <a:t>‹#›</a:t>
             </a:fld>
@@ -1461,7 +1461,7 @@
     </p:spTree>
     <p:extLst>
       <p:ext uri="{BB962C8B-B14F-4D97-AF65-F5344CB8AC3E}">
-        <p14:creationId xmlns:p14="http://schemas.microsoft.com/office/powerpoint/2010/main" val="3642689547"/>
+        <p14:creationId xmlns:p14="http://schemas.microsoft.com/office/powerpoint/2010/main" val="1938753854"/>
       </p:ext>
     </p:extLst>
   </p:cSld>
@@ -1493,7 +1493,7 @@
           <p:cNvPr id="2" name="标题 1">
             <a:extLst>
               <a:ext uri="{FF2B5EF4-FFF2-40B4-BE49-F238E27FC236}">
-                <a16:creationId xmlns:a16="http://schemas.microsoft.com/office/drawing/2014/main" id="{B81E5E2C-EDCE-B04E-BAC6-232AE8C4DBE6}"/>
+                <a16:creationId xmlns:a16="http://schemas.microsoft.com/office/drawing/2014/main" id="{C2CB10FE-F982-1AF5-AE92-47360F1C5E15}"/>
               </a:ext>
             </a:extLst>
           </p:cNvPr>
@@ -1526,7 +1526,7 @@
           <p:cNvPr id="3" name="文本占位符 2">
             <a:extLst>
               <a:ext uri="{FF2B5EF4-FFF2-40B4-BE49-F238E27FC236}">
-                <a16:creationId xmlns:a16="http://schemas.microsoft.com/office/drawing/2014/main" id="{DFDB16AD-B865-B211-65FD-578CFA6F059C}"/>
+                <a16:creationId xmlns:a16="http://schemas.microsoft.com/office/drawing/2014/main" id="{D87CF1A2-83CE-83DF-3283-BF461BADBA37}"/>
               </a:ext>
             </a:extLst>
           </p:cNvPr>
@@ -1597,7 +1597,7 @@
           <p:cNvPr id="4" name="内容占位符 3">
             <a:extLst>
               <a:ext uri="{FF2B5EF4-FFF2-40B4-BE49-F238E27FC236}">
-                <a16:creationId xmlns:a16="http://schemas.microsoft.com/office/drawing/2014/main" id="{1A5F5636-8DAB-A263-0369-008EA9F22F9B}"/>
+                <a16:creationId xmlns:a16="http://schemas.microsoft.com/office/drawing/2014/main" id="{40BA5160-0615-7F79-0E7B-7DF0D3CE3F55}"/>
               </a:ext>
             </a:extLst>
           </p:cNvPr>
@@ -1659,7 +1659,7 @@
           <p:cNvPr id="5" name="文本占位符 4">
             <a:extLst>
               <a:ext uri="{FF2B5EF4-FFF2-40B4-BE49-F238E27FC236}">
-                <a16:creationId xmlns:a16="http://schemas.microsoft.com/office/drawing/2014/main" id="{5BC3307F-392E-FDF0-0A73-5E714A2954C8}"/>
+                <a16:creationId xmlns:a16="http://schemas.microsoft.com/office/drawing/2014/main" id="{80EB14CB-795D-71D3-13C2-9EAA2496784E}"/>
               </a:ext>
             </a:extLst>
           </p:cNvPr>
@@ -1730,7 +1730,7 @@
           <p:cNvPr id="6" name="内容占位符 5">
             <a:extLst>
               <a:ext uri="{FF2B5EF4-FFF2-40B4-BE49-F238E27FC236}">
-                <a16:creationId xmlns:a16="http://schemas.microsoft.com/office/drawing/2014/main" id="{5995977C-3C59-0C65-B757-7CC148ABDACE}"/>
+                <a16:creationId xmlns:a16="http://schemas.microsoft.com/office/drawing/2014/main" id="{F3BF15DA-A7A7-7655-A1D8-5B536F759FA1}"/>
               </a:ext>
             </a:extLst>
           </p:cNvPr>
@@ -1792,7 +1792,7 @@
           <p:cNvPr id="7" name="日期占位符 6">
             <a:extLst>
               <a:ext uri="{FF2B5EF4-FFF2-40B4-BE49-F238E27FC236}">
-                <a16:creationId xmlns:a16="http://schemas.microsoft.com/office/drawing/2014/main" id="{506A87AE-A1B3-E9C5-01B3-A4E06992BDE1}"/>
+                <a16:creationId xmlns:a16="http://schemas.microsoft.com/office/drawing/2014/main" id="{31CB4B54-29A2-8804-89DD-64A31F3F6F29}"/>
               </a:ext>
             </a:extLst>
           </p:cNvPr>
@@ -1808,7 +1808,7 @@
           <a:bodyPr/>
           <a:lstStyle/>
           <a:p>
-            <a:fld id="{6CC9728F-16E9-4C02-AEE3-B2E2CB10451E}" type="datetimeFigureOut">
+            <a:fld id="{42AE7D2B-C973-41AF-90AE-DB93D4581CC3}" type="datetimeFigureOut">
               <a:rPr lang="zh-CN" altLang="en-US" smtClean="0"/>
               <a:t>2024/3/10</a:t>
             </a:fld>
@@ -1821,7 +1821,7 @@
           <p:cNvPr id="8" name="页脚占位符 7">
             <a:extLst>
               <a:ext uri="{FF2B5EF4-FFF2-40B4-BE49-F238E27FC236}">
-                <a16:creationId xmlns:a16="http://schemas.microsoft.com/office/drawing/2014/main" id="{2AC1AD0F-A3C7-DDA3-4F1D-754C1245AA41}"/>
+                <a16:creationId xmlns:a16="http://schemas.microsoft.com/office/drawing/2014/main" id="{DCB7186C-A7D8-A629-501E-CBECA1D485F1}"/>
               </a:ext>
             </a:extLst>
           </p:cNvPr>
@@ -1846,7 +1846,7 @@
           <p:cNvPr id="9" name="灯片编号占位符 8">
             <a:extLst>
               <a:ext uri="{FF2B5EF4-FFF2-40B4-BE49-F238E27FC236}">
-                <a16:creationId xmlns:a16="http://schemas.microsoft.com/office/drawing/2014/main" id="{79D39B25-8D1B-2A31-DFE3-1A5FB634F476}"/>
+                <a16:creationId xmlns:a16="http://schemas.microsoft.com/office/drawing/2014/main" id="{02828F8B-4BFE-4AD5-0AE7-AE1B24398BB3}"/>
               </a:ext>
             </a:extLst>
           </p:cNvPr>
@@ -1862,7 +1862,7 @@
           <a:bodyPr/>
           <a:lstStyle/>
           <a:p>
-            <a:fld id="{EF65F584-861D-4B00-9E07-E39CFEA187FA}" type="slidenum">
+            <a:fld id="{E2CF4F32-7808-4705-AA7C-BAC8815A4578}" type="slidenum">
               <a:rPr lang="zh-CN" altLang="en-US" smtClean="0"/>
               <a:t>‹#›</a:t>
             </a:fld>
@@ -1873,7 +1873,7 @@
     </p:spTree>
     <p:extLst>
       <p:ext uri="{BB962C8B-B14F-4D97-AF65-F5344CB8AC3E}">
-        <p14:creationId xmlns:p14="http://schemas.microsoft.com/office/powerpoint/2010/main" val="2945594250"/>
+        <p14:creationId xmlns:p14="http://schemas.microsoft.com/office/powerpoint/2010/main" val="1637626036"/>
       </p:ext>
     </p:extLst>
   </p:cSld>
@@ -1905,7 +1905,7 @@
           <p:cNvPr id="2" name="标题 1">
             <a:extLst>
               <a:ext uri="{FF2B5EF4-FFF2-40B4-BE49-F238E27FC236}">
-                <a16:creationId xmlns:a16="http://schemas.microsoft.com/office/drawing/2014/main" id="{9CFAB297-BB3B-1F9B-FAB0-B72B672CA90E}"/>
+                <a16:creationId xmlns:a16="http://schemas.microsoft.com/office/drawing/2014/main" id="{F790FE6D-783A-FB85-FFDC-ECEADE497792}"/>
               </a:ext>
             </a:extLst>
           </p:cNvPr>
@@ -1933,7 +1933,7 @@
           <p:cNvPr id="3" name="日期占位符 2">
             <a:extLst>
               <a:ext uri="{FF2B5EF4-FFF2-40B4-BE49-F238E27FC236}">
-                <a16:creationId xmlns:a16="http://schemas.microsoft.com/office/drawing/2014/main" id="{8B2EFE4B-58DC-844E-9786-2D74DC1FB704}"/>
+                <a16:creationId xmlns:a16="http://schemas.microsoft.com/office/drawing/2014/main" id="{5ED3D716-4C8A-6BE4-F638-74DA50995321}"/>
               </a:ext>
             </a:extLst>
           </p:cNvPr>
@@ -1949,7 +1949,7 @@
           <a:bodyPr/>
           <a:lstStyle/>
           <a:p>
-            <a:fld id="{6CC9728F-16E9-4C02-AEE3-B2E2CB10451E}" type="datetimeFigureOut">
+            <a:fld id="{42AE7D2B-C973-41AF-90AE-DB93D4581CC3}" type="datetimeFigureOut">
               <a:rPr lang="zh-CN" altLang="en-US" smtClean="0"/>
               <a:t>2024/3/10</a:t>
             </a:fld>
@@ -1962,7 +1962,7 @@
           <p:cNvPr id="4" name="页脚占位符 3">
             <a:extLst>
               <a:ext uri="{FF2B5EF4-FFF2-40B4-BE49-F238E27FC236}">
-                <a16:creationId xmlns:a16="http://schemas.microsoft.com/office/drawing/2014/main" id="{FBB64B19-8AC6-9889-9061-DAE57DF7E148}"/>
+                <a16:creationId xmlns:a16="http://schemas.microsoft.com/office/drawing/2014/main" id="{F51BC03A-0363-AF50-5689-5EE4F0FD82BE}"/>
               </a:ext>
             </a:extLst>
           </p:cNvPr>
@@ -1987,7 +1987,7 @@
           <p:cNvPr id="5" name="灯片编号占位符 4">
             <a:extLst>
               <a:ext uri="{FF2B5EF4-FFF2-40B4-BE49-F238E27FC236}">
-                <a16:creationId xmlns:a16="http://schemas.microsoft.com/office/drawing/2014/main" id="{98BCE54C-0CD7-87FB-B95A-D97EB328D569}"/>
+                <a16:creationId xmlns:a16="http://schemas.microsoft.com/office/drawing/2014/main" id="{EEE9D7E4-300A-7946-BAA0-52B053547FC9}"/>
               </a:ext>
             </a:extLst>
           </p:cNvPr>
@@ -2003,7 +2003,7 @@
           <a:bodyPr/>
           <a:lstStyle/>
           <a:p>
-            <a:fld id="{EF65F584-861D-4B00-9E07-E39CFEA187FA}" type="slidenum">
+            <a:fld id="{E2CF4F32-7808-4705-AA7C-BAC8815A4578}" type="slidenum">
               <a:rPr lang="zh-CN" altLang="en-US" smtClean="0"/>
               <a:t>‹#›</a:t>
             </a:fld>
@@ -2014,7 +2014,7 @@
     </p:spTree>
     <p:extLst>
       <p:ext uri="{BB962C8B-B14F-4D97-AF65-F5344CB8AC3E}">
-        <p14:creationId xmlns:p14="http://schemas.microsoft.com/office/powerpoint/2010/main" val="1283498913"/>
+        <p14:creationId xmlns:p14="http://schemas.microsoft.com/office/powerpoint/2010/main" val="2713103899"/>
       </p:ext>
     </p:extLst>
   </p:cSld>
@@ -2046,7 +2046,7 @@
           <p:cNvPr id="2" name="日期占位符 1">
             <a:extLst>
               <a:ext uri="{FF2B5EF4-FFF2-40B4-BE49-F238E27FC236}">
-                <a16:creationId xmlns:a16="http://schemas.microsoft.com/office/drawing/2014/main" id="{E769522D-C9DC-2BD4-9916-73A36366DAE8}"/>
+                <a16:creationId xmlns:a16="http://schemas.microsoft.com/office/drawing/2014/main" id="{53FBB95A-0A23-372B-21EC-D345DB6CBC14}"/>
               </a:ext>
             </a:extLst>
           </p:cNvPr>
@@ -2062,7 +2062,7 @@
           <a:bodyPr/>
           <a:lstStyle/>
           <a:p>
-            <a:fld id="{6CC9728F-16E9-4C02-AEE3-B2E2CB10451E}" type="datetimeFigureOut">
+            <a:fld id="{42AE7D2B-C973-41AF-90AE-DB93D4581CC3}" type="datetimeFigureOut">
               <a:rPr lang="zh-CN" altLang="en-US" smtClean="0"/>
               <a:t>2024/3/10</a:t>
             </a:fld>
@@ -2075,7 +2075,7 @@
           <p:cNvPr id="3" name="页脚占位符 2">
             <a:extLst>
               <a:ext uri="{FF2B5EF4-FFF2-40B4-BE49-F238E27FC236}">
-                <a16:creationId xmlns:a16="http://schemas.microsoft.com/office/drawing/2014/main" id="{A38AD706-08AE-E81F-0651-9E6F462ECFA9}"/>
+                <a16:creationId xmlns:a16="http://schemas.microsoft.com/office/drawing/2014/main" id="{D1565411-F4A0-72B1-4BAA-7E9E1D4DCE9F}"/>
               </a:ext>
             </a:extLst>
           </p:cNvPr>
@@ -2100,7 +2100,7 @@
           <p:cNvPr id="4" name="灯片编号占位符 3">
             <a:extLst>
               <a:ext uri="{FF2B5EF4-FFF2-40B4-BE49-F238E27FC236}">
-                <a16:creationId xmlns:a16="http://schemas.microsoft.com/office/drawing/2014/main" id="{0BAF4572-A651-1D33-B343-14E7B82DA36E}"/>
+                <a16:creationId xmlns:a16="http://schemas.microsoft.com/office/drawing/2014/main" id="{8EDFC012-DBE6-DF72-3486-181F9D244BB2}"/>
               </a:ext>
             </a:extLst>
           </p:cNvPr>
@@ -2116,7 +2116,7 @@
           <a:bodyPr/>
           <a:lstStyle/>
           <a:p>
-            <a:fld id="{EF65F584-861D-4B00-9E07-E39CFEA187FA}" type="slidenum">
+            <a:fld id="{E2CF4F32-7808-4705-AA7C-BAC8815A4578}" type="slidenum">
               <a:rPr lang="zh-CN" altLang="en-US" smtClean="0"/>
               <a:t>‹#›</a:t>
             </a:fld>
@@ -2127,7 +2127,7 @@
     </p:spTree>
     <p:extLst>
       <p:ext uri="{BB962C8B-B14F-4D97-AF65-F5344CB8AC3E}">
-        <p14:creationId xmlns:p14="http://schemas.microsoft.com/office/powerpoint/2010/main" val="2021102773"/>
+        <p14:creationId xmlns:p14="http://schemas.microsoft.com/office/powerpoint/2010/main" val="174451935"/>
       </p:ext>
     </p:extLst>
   </p:cSld>
@@ -2159,7 +2159,7 @@
           <p:cNvPr id="2" name="标题 1">
             <a:extLst>
               <a:ext uri="{FF2B5EF4-FFF2-40B4-BE49-F238E27FC236}">
-                <a16:creationId xmlns:a16="http://schemas.microsoft.com/office/drawing/2014/main" id="{BBEEBAF5-E658-9710-E4CA-775AACFBA28F}"/>
+                <a16:creationId xmlns:a16="http://schemas.microsoft.com/office/drawing/2014/main" id="{B4CCD6E2-63E5-C9D8-5C8F-5ED26E2CC0D5}"/>
               </a:ext>
             </a:extLst>
           </p:cNvPr>
@@ -2196,7 +2196,7 @@
           <p:cNvPr id="3" name="内容占位符 2">
             <a:extLst>
               <a:ext uri="{FF2B5EF4-FFF2-40B4-BE49-F238E27FC236}">
-                <a16:creationId xmlns:a16="http://schemas.microsoft.com/office/drawing/2014/main" id="{27219367-141A-6A88-9FD6-98D882C78939}"/>
+                <a16:creationId xmlns:a16="http://schemas.microsoft.com/office/drawing/2014/main" id="{9C539E49-BC30-EC85-DE31-EF844A616495}"/>
               </a:ext>
             </a:extLst>
           </p:cNvPr>
@@ -2286,7 +2286,7 @@
           <p:cNvPr id="4" name="文本占位符 3">
             <a:extLst>
               <a:ext uri="{FF2B5EF4-FFF2-40B4-BE49-F238E27FC236}">
-                <a16:creationId xmlns:a16="http://schemas.microsoft.com/office/drawing/2014/main" id="{FC0D9BC4-7837-653D-4524-A0819939D7BE}"/>
+                <a16:creationId xmlns:a16="http://schemas.microsoft.com/office/drawing/2014/main" id="{5C558B6B-2435-07AF-0F04-03EA34E2DFB4}"/>
               </a:ext>
             </a:extLst>
           </p:cNvPr>
@@ -2357,7 +2357,7 @@
           <p:cNvPr id="5" name="日期占位符 4">
             <a:extLst>
               <a:ext uri="{FF2B5EF4-FFF2-40B4-BE49-F238E27FC236}">
-                <a16:creationId xmlns:a16="http://schemas.microsoft.com/office/drawing/2014/main" id="{B9C9A98F-14DC-9B6D-6D80-72C81FF4D75A}"/>
+                <a16:creationId xmlns:a16="http://schemas.microsoft.com/office/drawing/2014/main" id="{813BC864-7792-728E-2796-D8F7B7ED61F1}"/>
               </a:ext>
             </a:extLst>
           </p:cNvPr>
@@ -2373,7 +2373,7 @@
           <a:bodyPr/>
           <a:lstStyle/>
           <a:p>
-            <a:fld id="{6CC9728F-16E9-4C02-AEE3-B2E2CB10451E}" type="datetimeFigureOut">
+            <a:fld id="{42AE7D2B-C973-41AF-90AE-DB93D4581CC3}" type="datetimeFigureOut">
               <a:rPr lang="zh-CN" altLang="en-US" smtClean="0"/>
               <a:t>2024/3/10</a:t>
             </a:fld>
@@ -2386,7 +2386,7 @@
           <p:cNvPr id="6" name="页脚占位符 5">
             <a:extLst>
               <a:ext uri="{FF2B5EF4-FFF2-40B4-BE49-F238E27FC236}">
-                <a16:creationId xmlns:a16="http://schemas.microsoft.com/office/drawing/2014/main" id="{F6103742-44EF-BB02-E493-B8EFDBAB4A53}"/>
+                <a16:creationId xmlns:a16="http://schemas.microsoft.com/office/drawing/2014/main" id="{F40F2214-F0AF-C927-421B-45C8D7B10D2F}"/>
               </a:ext>
             </a:extLst>
           </p:cNvPr>
@@ -2411,7 +2411,7 @@
           <p:cNvPr id="7" name="灯片编号占位符 6">
             <a:extLst>
               <a:ext uri="{FF2B5EF4-FFF2-40B4-BE49-F238E27FC236}">
-                <a16:creationId xmlns:a16="http://schemas.microsoft.com/office/drawing/2014/main" id="{1FBAD026-1ABC-EC1A-8334-DF43F519C8AF}"/>
+                <a16:creationId xmlns:a16="http://schemas.microsoft.com/office/drawing/2014/main" id="{92DD0D07-2203-90CA-3582-C5FB52849F42}"/>
               </a:ext>
             </a:extLst>
           </p:cNvPr>
@@ -2427,7 +2427,7 @@
           <a:bodyPr/>
           <a:lstStyle/>
           <a:p>
-            <a:fld id="{EF65F584-861D-4B00-9E07-E39CFEA187FA}" type="slidenum">
+            <a:fld id="{E2CF4F32-7808-4705-AA7C-BAC8815A4578}" type="slidenum">
               <a:rPr lang="zh-CN" altLang="en-US" smtClean="0"/>
               <a:t>‹#›</a:t>
             </a:fld>
@@ -2438,7 +2438,7 @@
     </p:spTree>
     <p:extLst>
       <p:ext uri="{BB962C8B-B14F-4D97-AF65-F5344CB8AC3E}">
-        <p14:creationId xmlns:p14="http://schemas.microsoft.com/office/powerpoint/2010/main" val="3753897180"/>
+        <p14:creationId xmlns:p14="http://schemas.microsoft.com/office/powerpoint/2010/main" val="601363172"/>
       </p:ext>
     </p:extLst>
   </p:cSld>
@@ -2470,7 +2470,7 @@
           <p:cNvPr id="2" name="标题 1">
             <a:extLst>
               <a:ext uri="{FF2B5EF4-FFF2-40B4-BE49-F238E27FC236}">
-                <a16:creationId xmlns:a16="http://schemas.microsoft.com/office/drawing/2014/main" id="{4C59D016-E61B-B533-D308-5CB21D6E4A4A}"/>
+                <a16:creationId xmlns:a16="http://schemas.microsoft.com/office/drawing/2014/main" id="{27A82075-B8F2-FB08-E311-06E53857493C}"/>
               </a:ext>
             </a:extLst>
           </p:cNvPr>
@@ -2507,7 +2507,7 @@
           <p:cNvPr id="3" name="图片占位符 2">
             <a:extLst>
               <a:ext uri="{FF2B5EF4-FFF2-40B4-BE49-F238E27FC236}">
-                <a16:creationId xmlns:a16="http://schemas.microsoft.com/office/drawing/2014/main" id="{FCADAB6A-5D52-08D3-8FA7-8DFAF09696FC}"/>
+                <a16:creationId xmlns:a16="http://schemas.microsoft.com/office/drawing/2014/main" id="{5B2690F2-19BE-5B95-FF03-10F3C763174B}"/>
               </a:ext>
             </a:extLst>
           </p:cNvPr>
@@ -2574,7 +2574,7 @@
           <p:cNvPr id="4" name="文本占位符 3">
             <a:extLst>
               <a:ext uri="{FF2B5EF4-FFF2-40B4-BE49-F238E27FC236}">
-                <a16:creationId xmlns:a16="http://schemas.microsoft.com/office/drawing/2014/main" id="{B7A8FD22-5029-DDC0-1666-BF5240AB6A32}"/>
+                <a16:creationId xmlns:a16="http://schemas.microsoft.com/office/drawing/2014/main" id="{E556AE67-8564-4F13-BB82-FB540A5F19B7}"/>
               </a:ext>
             </a:extLst>
           </p:cNvPr>
@@ -2645,7 +2645,7 @@
           <p:cNvPr id="5" name="日期占位符 4">
             <a:extLst>
               <a:ext uri="{FF2B5EF4-FFF2-40B4-BE49-F238E27FC236}">
-                <a16:creationId xmlns:a16="http://schemas.microsoft.com/office/drawing/2014/main" id="{313CDF42-CEA0-0D69-C820-CD91332EC31B}"/>
+                <a16:creationId xmlns:a16="http://schemas.microsoft.com/office/drawing/2014/main" id="{81ABB99A-AFF6-AFC6-9A3A-66C6D81EE09F}"/>
               </a:ext>
             </a:extLst>
           </p:cNvPr>
@@ -2661,7 +2661,7 @@
           <a:bodyPr/>
           <a:lstStyle/>
           <a:p>
-            <a:fld id="{6CC9728F-16E9-4C02-AEE3-B2E2CB10451E}" type="datetimeFigureOut">
+            <a:fld id="{42AE7D2B-C973-41AF-90AE-DB93D4581CC3}" type="datetimeFigureOut">
               <a:rPr lang="zh-CN" altLang="en-US" smtClean="0"/>
               <a:t>2024/3/10</a:t>
             </a:fld>
@@ -2674,7 +2674,7 @@
           <p:cNvPr id="6" name="页脚占位符 5">
             <a:extLst>
               <a:ext uri="{FF2B5EF4-FFF2-40B4-BE49-F238E27FC236}">
-                <a16:creationId xmlns:a16="http://schemas.microsoft.com/office/drawing/2014/main" id="{76086B1F-C984-800C-F96D-91A31DAAA32A}"/>
+                <a16:creationId xmlns:a16="http://schemas.microsoft.com/office/drawing/2014/main" id="{275038CD-BDE7-3FD8-46C8-9170DF0521C5}"/>
               </a:ext>
             </a:extLst>
           </p:cNvPr>
@@ -2699,7 +2699,7 @@
           <p:cNvPr id="7" name="灯片编号占位符 6">
             <a:extLst>
               <a:ext uri="{FF2B5EF4-FFF2-40B4-BE49-F238E27FC236}">
-                <a16:creationId xmlns:a16="http://schemas.microsoft.com/office/drawing/2014/main" id="{FF4B0E28-806E-5418-FEF6-3DF2CF177795}"/>
+                <a16:creationId xmlns:a16="http://schemas.microsoft.com/office/drawing/2014/main" id="{09D45F1A-FC0F-3602-6A88-D63554B7E94B}"/>
               </a:ext>
             </a:extLst>
           </p:cNvPr>
@@ -2715,7 +2715,7 @@
           <a:bodyPr/>
           <a:lstStyle/>
           <a:p>
-            <a:fld id="{EF65F584-861D-4B00-9E07-E39CFEA187FA}" type="slidenum">
+            <a:fld id="{E2CF4F32-7808-4705-AA7C-BAC8815A4578}" type="slidenum">
               <a:rPr lang="zh-CN" altLang="en-US" smtClean="0"/>
               <a:t>‹#›</a:t>
             </a:fld>
@@ -2726,7 +2726,7 @@
     </p:spTree>
     <p:extLst>
       <p:ext uri="{BB962C8B-B14F-4D97-AF65-F5344CB8AC3E}">
-        <p14:creationId xmlns:p14="http://schemas.microsoft.com/office/powerpoint/2010/main" val="3934496415"/>
+        <p14:creationId xmlns:p14="http://schemas.microsoft.com/office/powerpoint/2010/main" val="1763233745"/>
       </p:ext>
     </p:extLst>
   </p:cSld>
@@ -2763,7 +2763,7 @@
           <p:cNvPr id="2" name="标题占位符 1">
             <a:extLst>
               <a:ext uri="{FF2B5EF4-FFF2-40B4-BE49-F238E27FC236}">
-                <a16:creationId xmlns:a16="http://schemas.microsoft.com/office/drawing/2014/main" id="{F8BAF934-364C-32F8-7139-350FC3D95942}"/>
+                <a16:creationId xmlns:a16="http://schemas.microsoft.com/office/drawing/2014/main" id="{7AB81339-4DC2-87FD-D031-51D4B8351F72}"/>
               </a:ext>
             </a:extLst>
           </p:cNvPr>
@@ -2801,7 +2801,7 @@
           <p:cNvPr id="3" name="文本占位符 2">
             <a:extLst>
               <a:ext uri="{FF2B5EF4-FFF2-40B4-BE49-F238E27FC236}">
-                <a16:creationId xmlns:a16="http://schemas.microsoft.com/office/drawing/2014/main" id="{04B8ECE5-40F5-BB1D-5207-5AD49CEA5DB8}"/>
+                <a16:creationId xmlns:a16="http://schemas.microsoft.com/office/drawing/2014/main" id="{3064BE05-F16E-6690-E547-883F73641E88}"/>
               </a:ext>
             </a:extLst>
           </p:cNvPr>
@@ -2868,7 +2868,7 @@
           <p:cNvPr id="4" name="日期占位符 3">
             <a:extLst>
               <a:ext uri="{FF2B5EF4-FFF2-40B4-BE49-F238E27FC236}">
-                <a16:creationId xmlns:a16="http://schemas.microsoft.com/office/drawing/2014/main" id="{061B7714-F720-A982-F2C9-39E9EFC10F8F}"/>
+                <a16:creationId xmlns:a16="http://schemas.microsoft.com/office/drawing/2014/main" id="{B612E924-3AC7-6BB3-F100-2B22AC7A6DE5}"/>
               </a:ext>
             </a:extLst>
           </p:cNvPr>
@@ -2902,7 +2902,7 @@
             </a:lvl1pPr>
           </a:lstStyle>
           <a:p>
-            <a:fld id="{6CC9728F-16E9-4C02-AEE3-B2E2CB10451E}" type="datetimeFigureOut">
+            <a:fld id="{42AE7D2B-C973-41AF-90AE-DB93D4581CC3}" type="datetimeFigureOut">
               <a:rPr lang="zh-CN" altLang="en-US" smtClean="0"/>
               <a:t>2024/3/10</a:t>
             </a:fld>
@@ -2915,7 +2915,7 @@
           <p:cNvPr id="5" name="页脚占位符 4">
             <a:extLst>
               <a:ext uri="{FF2B5EF4-FFF2-40B4-BE49-F238E27FC236}">
-                <a16:creationId xmlns:a16="http://schemas.microsoft.com/office/drawing/2014/main" id="{51D7670A-8F32-23D3-67F1-C09DA5092A54}"/>
+                <a16:creationId xmlns:a16="http://schemas.microsoft.com/office/drawing/2014/main" id="{C611607F-06DD-582A-558F-98F4E39936C3}"/>
               </a:ext>
             </a:extLst>
           </p:cNvPr>
@@ -2958,7 +2958,7 @@
           <p:cNvPr id="6" name="灯片编号占位符 5">
             <a:extLst>
               <a:ext uri="{FF2B5EF4-FFF2-40B4-BE49-F238E27FC236}">
-                <a16:creationId xmlns:a16="http://schemas.microsoft.com/office/drawing/2014/main" id="{0169A2E6-C49A-EE11-2F06-60D012C7DA09}"/>
+                <a16:creationId xmlns:a16="http://schemas.microsoft.com/office/drawing/2014/main" id="{7B5A08D3-2BEE-AC83-28DD-C83CFE9C165D}"/>
               </a:ext>
             </a:extLst>
           </p:cNvPr>
@@ -2992,7 +2992,7 @@
             </a:lvl1pPr>
           </a:lstStyle>
           <a:p>
-            <a:fld id="{EF65F584-861D-4B00-9E07-E39CFEA187FA}" type="slidenum">
+            <a:fld id="{E2CF4F32-7808-4705-AA7C-BAC8815A4578}" type="slidenum">
               <a:rPr lang="zh-CN" altLang="en-US" smtClean="0"/>
               <a:t>‹#›</a:t>
             </a:fld>
@@ -3003,7 +3003,7 @@
     </p:spTree>
     <p:extLst>
       <p:ext uri="{BB962C8B-B14F-4D97-AF65-F5344CB8AC3E}">
-        <p14:creationId xmlns:p14="http://schemas.microsoft.com/office/powerpoint/2010/main" val="3514990281"/>
+        <p14:creationId xmlns:p14="http://schemas.microsoft.com/office/powerpoint/2010/main" val="3983444649"/>
       </p:ext>
     </p:extLst>
   </p:cSld>
